--- a/Ref - Incident Management.pptx
+++ b/Ref - Incident Management.pptx
@@ -1609,785 +1609,6 @@
       <dsp:cNvGrpSpPr/>
     </dsp:nvGrpSpPr>
     <dsp:grpSpPr/>
-    <dsp:sp modelId="{44EF6B69-3FC9-8847-8256-C7709082E129}">
-      <dsp:nvSpPr>
-        <dsp:cNvPr id="0" name=""/>
-        <dsp:cNvSpPr/>
-      </dsp:nvSpPr>
-      <dsp:spPr>
-        <a:xfrm>
-          <a:off x="3474464" y="2124"/>
-          <a:ext cx="1447181" cy="940667"/>
-        </a:xfrm>
-        <a:prstGeom prst="roundRect">
-          <a:avLst/>
-        </a:prstGeom>
-        <a:solidFill>
-          <a:srgbClr val="A6D6E2"/>
-        </a:solidFill>
-        <a:ln w="28575" cap="flat" cmpd="sng" algn="ctr">
-          <a:solidFill>
-            <a:srgbClr val="E31C79"/>
-          </a:solidFill>
-          <a:prstDash val="solid"/>
-        </a:ln>
-        <a:effectLst>
-          <a:outerShdw blurRad="40000" dist="20000" dir="5400000" rotWithShape="0">
-            <a:srgbClr val="000000">
-              <a:alpha val="38000"/>
-            </a:srgbClr>
-          </a:outerShdw>
-        </a:effectLst>
-      </dsp:spPr>
-      <dsp:style>
-        <a:lnRef idx="3">
-          <a:scrgbClr r="0" g="0" b="0"/>
-        </a:lnRef>
-        <a:fillRef idx="1">
-          <a:scrgbClr r="0" g="0" b="0"/>
-        </a:fillRef>
-        <a:effectRef idx="1">
-          <a:scrgbClr r="0" g="0" b="0"/>
-        </a:effectRef>
-        <a:fontRef idx="minor">
-          <a:schemeClr val="lt1"/>
-        </a:fontRef>
-      </dsp:style>
-      <dsp:txBody>
-        <a:bodyPr spcFirstLastPara="0" vert="horz" wrap="square" lIns="45720" tIns="45720" rIns="45720" bIns="45720" numCol="1" spcCol="1270" anchor="ctr" anchorCtr="0">
-          <a:noAutofit/>
-        </a:bodyPr>
-        <a:lstStyle/>
-        <a:p>
-          <a:pPr lvl="0" algn="ctr" defTabSz="533400">
-            <a:lnSpc>
-              <a:spcPct val="90000"/>
-            </a:lnSpc>
-            <a:spcBef>
-              <a:spcPct val="0"/>
-            </a:spcBef>
-            <a:spcAft>
-              <a:spcPct val="35000"/>
-            </a:spcAft>
-          </a:pPr>
-          <a:r>
-            <a:rPr lang="en-US" sz="1200" kern="1200" dirty="0" smtClean="0">
-              <a:solidFill>
-                <a:srgbClr val="404040"/>
-              </a:solidFill>
-            </a:rPr>
-            <a:t>1. Creation</a:t>
-          </a:r>
-          <a:endParaRPr lang="en-US" sz="1200" kern="1200" dirty="0">
-            <a:solidFill>
-              <a:srgbClr val="404040"/>
-            </a:solidFill>
-          </a:endParaRPr>
-        </a:p>
-      </dsp:txBody>
-      <dsp:txXfrm>
-        <a:off x="3520384" y="48044"/>
-        <a:ext cx="1355341" cy="848827"/>
-      </dsp:txXfrm>
-    </dsp:sp>
-    <dsp:sp modelId="{88B4DD1A-0E94-7F45-B8D7-B2A54E24FFD3}">
-      <dsp:nvSpPr>
-        <dsp:cNvPr id="0" name=""/>
-        <dsp:cNvSpPr/>
-      </dsp:nvSpPr>
-      <dsp:spPr>
-        <a:xfrm>
-          <a:off x="1982348" y="472458"/>
-          <a:ext cx="4431414" cy="4431414"/>
-        </a:xfrm>
-        <a:custGeom>
-          <a:avLst/>
-          <a:gdLst/>
-          <a:ahLst/>
-          <a:cxnLst/>
-          <a:rect l="0" t="0" r="0" b="0"/>
-          <a:pathLst>
-            <a:path>
-              <a:moveTo>
-                <a:pt x="3121246" y="193491"/>
-              </a:moveTo>
-              <a:arcTo wR="2215707" hR="2215707" stAng="17647358" swAng="923732"/>
-            </a:path>
-          </a:pathLst>
-        </a:custGeom>
-        <a:noFill/>
-        <a:ln w="9525" cap="flat" cmpd="sng" algn="ctr">
-          <a:solidFill>
-            <a:srgbClr val="E31C79"/>
-          </a:solidFill>
-          <a:prstDash val="solid"/>
-          <a:tailEnd type="arrow"/>
-        </a:ln>
-        <a:effectLst/>
-      </dsp:spPr>
-      <dsp:style>
-        <a:lnRef idx="1">
-          <a:scrgbClr r="0" g="0" b="0"/>
-        </a:lnRef>
-        <a:fillRef idx="0">
-          <a:scrgbClr r="0" g="0" b="0"/>
-        </a:fillRef>
-        <a:effectRef idx="0">
-          <a:scrgbClr r="0" g="0" b="0"/>
-        </a:effectRef>
-        <a:fontRef idx="minor"/>
-      </dsp:style>
-    </dsp:sp>
-    <dsp:sp modelId="{7197B9B1-A950-F841-AFB2-F4E1E21214A9}">
-      <dsp:nvSpPr>
-        <dsp:cNvPr id="0" name=""/>
-        <dsp:cNvSpPr/>
-      </dsp:nvSpPr>
-      <dsp:spPr>
-        <a:xfrm>
-          <a:off x="5393323" y="1109978"/>
-          <a:ext cx="1447181" cy="940667"/>
-        </a:xfrm>
-        <a:prstGeom prst="roundRect">
-          <a:avLst/>
-        </a:prstGeom>
-        <a:solidFill>
-          <a:srgbClr val="A6D6E2"/>
-        </a:solidFill>
-        <a:ln w="28575" cap="flat" cmpd="sng" algn="ctr">
-          <a:solidFill>
-            <a:srgbClr val="E31C79"/>
-          </a:solidFill>
-          <a:prstDash val="solid"/>
-        </a:ln>
-        <a:effectLst>
-          <a:outerShdw blurRad="40000" dist="20000" dir="5400000" rotWithShape="0">
-            <a:srgbClr val="000000">
-              <a:alpha val="38000"/>
-            </a:srgbClr>
-          </a:outerShdw>
-        </a:effectLst>
-      </dsp:spPr>
-      <dsp:style>
-        <a:lnRef idx="3">
-          <a:scrgbClr r="0" g="0" b="0"/>
-        </a:lnRef>
-        <a:fillRef idx="1">
-          <a:scrgbClr r="0" g="0" b="0"/>
-        </a:fillRef>
-        <a:effectRef idx="1">
-          <a:scrgbClr r="0" g="0" b="0"/>
-        </a:effectRef>
-        <a:fontRef idx="minor">
-          <a:schemeClr val="lt1"/>
-        </a:fontRef>
-      </dsp:style>
-      <dsp:txBody>
-        <a:bodyPr spcFirstLastPara="0" vert="horz" wrap="square" lIns="45720" tIns="45720" rIns="45720" bIns="45720" numCol="1" spcCol="1270" anchor="ctr" anchorCtr="0">
-          <a:noAutofit/>
-        </a:bodyPr>
-        <a:lstStyle/>
-        <a:p>
-          <a:pPr lvl="0" algn="ctr" defTabSz="533400">
-            <a:lnSpc>
-              <a:spcPct val="90000"/>
-            </a:lnSpc>
-            <a:spcBef>
-              <a:spcPct val="0"/>
-            </a:spcBef>
-            <a:spcAft>
-              <a:spcPct val="35000"/>
-            </a:spcAft>
-          </a:pPr>
-          <a:r>
-            <a:rPr lang="en-US" sz="1200" kern="1200" dirty="0" smtClean="0">
-              <a:solidFill>
-                <a:srgbClr val="404040"/>
-              </a:solidFill>
-            </a:rPr>
-            <a:t>2. Initial Diagnosis</a:t>
-          </a:r>
-          <a:endParaRPr lang="en-US" sz="1200" kern="1200" dirty="0">
-            <a:solidFill>
-              <a:srgbClr val="404040"/>
-            </a:solidFill>
-          </a:endParaRPr>
-        </a:p>
-      </dsp:txBody>
-      <dsp:txXfrm>
-        <a:off x="5439243" y="1155898"/>
-        <a:ext cx="1355341" cy="848827"/>
-      </dsp:txXfrm>
-    </dsp:sp>
-    <dsp:sp modelId="{B6896D9D-BB78-FB4A-B742-14C2C370F7D8}">
-      <dsp:nvSpPr>
-        <dsp:cNvPr id="0" name=""/>
-        <dsp:cNvSpPr/>
-      </dsp:nvSpPr>
-      <dsp:spPr>
-        <a:xfrm>
-          <a:off x="1982348" y="472458"/>
-          <a:ext cx="4431414" cy="4431414"/>
-        </a:xfrm>
-        <a:custGeom>
-          <a:avLst/>
-          <a:gdLst/>
-          <a:ahLst/>
-          <a:cxnLst/>
-          <a:rect l="0" t="0" r="0" b="0"/>
-          <a:pathLst>
-            <a:path>
-              <a:moveTo>
-                <a:pt x="4396889" y="1826090"/>
-              </a:moveTo>
-              <a:arcTo wR="2215707" hR="2215707" stAng="20992337" swAng="1215327"/>
-            </a:path>
-          </a:pathLst>
-        </a:custGeom>
-        <a:noFill/>
-        <a:ln w="9525" cap="flat" cmpd="sng" algn="ctr">
-          <a:solidFill>
-            <a:srgbClr val="E31C79"/>
-          </a:solidFill>
-          <a:prstDash val="solid"/>
-          <a:tailEnd type="arrow"/>
-        </a:ln>
-        <a:effectLst/>
-      </dsp:spPr>
-      <dsp:style>
-        <a:lnRef idx="1">
-          <a:scrgbClr r="0" g="0" b="0"/>
-        </a:lnRef>
-        <a:fillRef idx="0">
-          <a:scrgbClr r="0" g="0" b="0"/>
-        </a:fillRef>
-        <a:effectRef idx="0">
-          <a:scrgbClr r="0" g="0" b="0"/>
-        </a:effectRef>
-        <a:fontRef idx="minor"/>
-      </dsp:style>
-    </dsp:sp>
-    <dsp:sp modelId="{1A450FE5-50E9-4643-90DC-FCBD4A2C7465}">
-      <dsp:nvSpPr>
-        <dsp:cNvPr id="0" name=""/>
-        <dsp:cNvSpPr/>
-      </dsp:nvSpPr>
-      <dsp:spPr>
-        <a:xfrm>
-          <a:off x="5393323" y="3325685"/>
-          <a:ext cx="1447181" cy="940667"/>
-        </a:xfrm>
-        <a:prstGeom prst="roundRect">
-          <a:avLst/>
-        </a:prstGeom>
-        <a:solidFill>
-          <a:srgbClr val="A6D6E2"/>
-        </a:solidFill>
-        <a:ln w="28575" cap="flat" cmpd="sng" algn="ctr">
-          <a:solidFill>
-            <a:srgbClr val="E31C79"/>
-          </a:solidFill>
-          <a:prstDash val="solid"/>
-        </a:ln>
-        <a:effectLst>
-          <a:outerShdw blurRad="40000" dist="20000" dir="5400000" rotWithShape="0">
-            <a:srgbClr val="000000">
-              <a:alpha val="38000"/>
-            </a:srgbClr>
-          </a:outerShdw>
-        </a:effectLst>
-      </dsp:spPr>
-      <dsp:style>
-        <a:lnRef idx="3">
-          <a:scrgbClr r="0" g="0" b="0"/>
-        </a:lnRef>
-        <a:fillRef idx="1">
-          <a:scrgbClr r="0" g="0" b="0"/>
-        </a:fillRef>
-        <a:effectRef idx="1">
-          <a:scrgbClr r="0" g="0" b="0"/>
-        </a:effectRef>
-        <a:fontRef idx="minor">
-          <a:schemeClr val="lt1"/>
-        </a:fontRef>
-      </dsp:style>
-      <dsp:txBody>
-        <a:bodyPr spcFirstLastPara="0" vert="horz" wrap="square" lIns="45720" tIns="45720" rIns="45720" bIns="45720" numCol="1" spcCol="1270" anchor="ctr" anchorCtr="0">
-          <a:noAutofit/>
-        </a:bodyPr>
-        <a:lstStyle/>
-        <a:p>
-          <a:pPr lvl="0" algn="ctr" defTabSz="533400">
-            <a:lnSpc>
-              <a:spcPct val="90000"/>
-            </a:lnSpc>
-            <a:spcBef>
-              <a:spcPct val="0"/>
-            </a:spcBef>
-            <a:spcAft>
-              <a:spcPct val="35000"/>
-            </a:spcAft>
-          </a:pPr>
-          <a:r>
-            <a:rPr lang="en-US" sz="1200" kern="1200" dirty="0" smtClean="0">
-              <a:solidFill>
-                <a:srgbClr val="404040"/>
-              </a:solidFill>
-            </a:rPr>
-            <a:t>3. Functional Escalation</a:t>
-          </a:r>
-          <a:endParaRPr lang="en-US" sz="1200" kern="1200" dirty="0">
-            <a:solidFill>
-              <a:srgbClr val="404040"/>
-            </a:solidFill>
-          </a:endParaRPr>
-        </a:p>
-      </dsp:txBody>
-      <dsp:txXfrm>
-        <a:off x="5439243" y="3371605"/>
-        <a:ext cx="1355341" cy="848827"/>
-      </dsp:txXfrm>
-    </dsp:sp>
-    <dsp:sp modelId="{B9900A60-14B4-364D-9474-FCCA0DD90D0E}">
-      <dsp:nvSpPr>
-        <dsp:cNvPr id="0" name=""/>
-        <dsp:cNvSpPr/>
-      </dsp:nvSpPr>
-      <dsp:spPr>
-        <a:xfrm>
-          <a:off x="2088198" y="374725"/>
-          <a:ext cx="4431414" cy="4431414"/>
-        </a:xfrm>
-        <a:custGeom>
-          <a:avLst/>
-          <a:gdLst/>
-          <a:ahLst/>
-          <a:cxnLst/>
-          <a:rect l="0" t="0" r="0" b="0"/>
-          <a:pathLst>
-            <a:path>
-              <a:moveTo>
-                <a:pt x="3516775" y="4009190"/>
-              </a:moveTo>
-              <a:arcTo wR="2215707" hR="2215707" stAng="3242477" swAng="892504"/>
-            </a:path>
-          </a:pathLst>
-        </a:custGeom>
-        <a:noFill/>
-        <a:ln w="9525" cap="flat" cmpd="sng" algn="ctr">
-          <a:solidFill>
-            <a:srgbClr val="E31C79"/>
-          </a:solidFill>
-          <a:prstDash val="solid"/>
-          <a:tailEnd type="arrow"/>
-        </a:ln>
-        <a:effectLst/>
-      </dsp:spPr>
-      <dsp:style>
-        <a:lnRef idx="1">
-          <a:scrgbClr r="0" g="0" b="0"/>
-        </a:lnRef>
-        <a:fillRef idx="0">
-          <a:scrgbClr r="0" g="0" b="0"/>
-        </a:fillRef>
-        <a:effectRef idx="0">
-          <a:scrgbClr r="0" g="0" b="0"/>
-        </a:effectRef>
-        <a:fontRef idx="minor"/>
-      </dsp:style>
-    </dsp:sp>
-    <dsp:sp modelId="{F486503C-177D-9A4C-AED0-0F293D62FB85}">
-      <dsp:nvSpPr>
-        <dsp:cNvPr id="0" name=""/>
-        <dsp:cNvSpPr/>
-      </dsp:nvSpPr>
-      <dsp:spPr>
-        <a:xfrm>
-          <a:off x="3474464" y="4373050"/>
-          <a:ext cx="1447181" cy="940667"/>
-        </a:xfrm>
-        <a:prstGeom prst="roundRect">
-          <a:avLst/>
-        </a:prstGeom>
-        <a:solidFill>
-          <a:srgbClr val="A6D6E2"/>
-        </a:solidFill>
-        <a:ln w="28575" cap="flat" cmpd="sng" algn="ctr">
-          <a:solidFill>
-            <a:srgbClr val="E31C79"/>
-          </a:solidFill>
-          <a:prstDash val="solid"/>
-        </a:ln>
-        <a:effectLst>
-          <a:outerShdw blurRad="40000" dist="20000" dir="5400000" rotWithShape="0">
-            <a:srgbClr val="000000">
-              <a:alpha val="38000"/>
-            </a:srgbClr>
-          </a:outerShdw>
-        </a:effectLst>
-      </dsp:spPr>
-      <dsp:style>
-        <a:lnRef idx="3">
-          <a:scrgbClr r="0" g="0" b="0"/>
-        </a:lnRef>
-        <a:fillRef idx="1">
-          <a:scrgbClr r="0" g="0" b="0"/>
-        </a:fillRef>
-        <a:effectRef idx="1">
-          <a:scrgbClr r="0" g="0" b="0"/>
-        </a:effectRef>
-        <a:fontRef idx="minor">
-          <a:schemeClr val="lt1"/>
-        </a:fontRef>
-      </dsp:style>
-      <dsp:txBody>
-        <a:bodyPr spcFirstLastPara="0" vert="horz" wrap="square" lIns="45720" tIns="45720" rIns="45720" bIns="45720" numCol="1" spcCol="1270" anchor="ctr" anchorCtr="0">
-          <a:noAutofit/>
-        </a:bodyPr>
-        <a:lstStyle/>
-        <a:p>
-          <a:pPr lvl="0" algn="ctr" defTabSz="533400">
-            <a:lnSpc>
-              <a:spcPct val="90000"/>
-            </a:lnSpc>
-            <a:spcBef>
-              <a:spcPct val="0"/>
-            </a:spcBef>
-            <a:spcAft>
-              <a:spcPct val="35000"/>
-            </a:spcAft>
-          </a:pPr>
-          <a:r>
-            <a:rPr lang="en-US" sz="1200" kern="1200" dirty="0" smtClean="0">
-              <a:solidFill>
-                <a:srgbClr val="404040"/>
-              </a:solidFill>
-            </a:rPr>
-            <a:t>4. Investigation &amp; Diagnosis</a:t>
-          </a:r>
-          <a:endParaRPr lang="en-US" sz="1200" kern="1200" dirty="0">
-            <a:solidFill>
-              <a:srgbClr val="404040"/>
-            </a:solidFill>
-          </a:endParaRPr>
-        </a:p>
-      </dsp:txBody>
-      <dsp:txXfrm>
-        <a:off x="3520384" y="4418970"/>
-        <a:ext cx="1355341" cy="848827"/>
-      </dsp:txXfrm>
-    </dsp:sp>
-    <dsp:sp modelId="{3DB1E76B-25D9-8D4D-BF3A-74B8C57F640F}">
-      <dsp:nvSpPr>
-        <dsp:cNvPr id="0" name=""/>
-        <dsp:cNvSpPr/>
-      </dsp:nvSpPr>
-      <dsp:spPr>
-        <a:xfrm>
-          <a:off x="1876497" y="374725"/>
-          <a:ext cx="4431414" cy="4431414"/>
-        </a:xfrm>
-        <a:custGeom>
-          <a:avLst/>
-          <a:gdLst/>
-          <a:ahLst/>
-          <a:cxnLst/>
-          <a:rect l="0" t="0" r="0" b="0"/>
-          <a:pathLst>
-            <a:path>
-              <a:moveTo>
-                <a:pt x="1418649" y="4283086"/>
-              </a:moveTo>
-              <a:arcTo wR="2215707" hR="2215707" stAng="6665019" swAng="892504"/>
-            </a:path>
-          </a:pathLst>
-        </a:custGeom>
-        <a:noFill/>
-        <a:ln w="9525" cap="flat" cmpd="sng" algn="ctr">
-          <a:solidFill>
-            <a:srgbClr val="E31C79"/>
-          </a:solidFill>
-          <a:prstDash val="solid"/>
-          <a:tailEnd type="arrow"/>
-        </a:ln>
-        <a:effectLst/>
-      </dsp:spPr>
-      <dsp:style>
-        <a:lnRef idx="1">
-          <a:scrgbClr r="0" g="0" b="0"/>
-        </a:lnRef>
-        <a:fillRef idx="0">
-          <a:scrgbClr r="0" g="0" b="0"/>
-        </a:fillRef>
-        <a:effectRef idx="0">
-          <a:scrgbClr r="0" g="0" b="0"/>
-        </a:effectRef>
-        <a:fontRef idx="minor"/>
-      </dsp:style>
-    </dsp:sp>
-    <dsp:sp modelId="{9F71CE40-9502-2741-B801-1ACB835F3C4A}">
-      <dsp:nvSpPr>
-        <dsp:cNvPr id="0" name=""/>
-        <dsp:cNvSpPr/>
-      </dsp:nvSpPr>
-      <dsp:spPr>
-        <a:xfrm>
-          <a:off x="1555606" y="3325685"/>
-          <a:ext cx="1447181" cy="940667"/>
-        </a:xfrm>
-        <a:prstGeom prst="roundRect">
-          <a:avLst/>
-        </a:prstGeom>
-        <a:solidFill>
-          <a:srgbClr val="A6D6E2"/>
-        </a:solidFill>
-        <a:ln w="28575" cap="flat" cmpd="sng" algn="ctr">
-          <a:solidFill>
-            <a:srgbClr val="E31C79"/>
-          </a:solidFill>
-          <a:prstDash val="solid"/>
-        </a:ln>
-        <a:effectLst>
-          <a:outerShdw blurRad="40000" dist="20000" dir="5400000" rotWithShape="0">
-            <a:srgbClr val="000000">
-              <a:alpha val="38000"/>
-            </a:srgbClr>
-          </a:outerShdw>
-        </a:effectLst>
-      </dsp:spPr>
-      <dsp:style>
-        <a:lnRef idx="3">
-          <a:scrgbClr r="0" g="0" b="0"/>
-        </a:lnRef>
-        <a:fillRef idx="1">
-          <a:scrgbClr r="0" g="0" b="0"/>
-        </a:fillRef>
-        <a:effectRef idx="1">
-          <a:scrgbClr r="0" g="0" b="0"/>
-        </a:effectRef>
-        <a:fontRef idx="minor">
-          <a:schemeClr val="lt1"/>
-        </a:fontRef>
-      </dsp:style>
-      <dsp:txBody>
-        <a:bodyPr spcFirstLastPara="0" vert="horz" wrap="square" lIns="45720" tIns="45720" rIns="45720" bIns="45720" numCol="1" spcCol="1270" anchor="ctr" anchorCtr="0">
-          <a:noAutofit/>
-        </a:bodyPr>
-        <a:lstStyle/>
-        <a:p>
-          <a:pPr lvl="0" algn="ctr" defTabSz="533400">
-            <a:lnSpc>
-              <a:spcPct val="90000"/>
-            </a:lnSpc>
-            <a:spcBef>
-              <a:spcPct val="0"/>
-            </a:spcBef>
-            <a:spcAft>
-              <a:spcPct val="35000"/>
-            </a:spcAft>
-          </a:pPr>
-          <a:r>
-            <a:rPr lang="en-US" sz="1200" kern="1200" dirty="0" smtClean="0">
-              <a:solidFill>
-                <a:srgbClr val="404040"/>
-              </a:solidFill>
-            </a:rPr>
-            <a:t>5. Resolution &amp; Recovery</a:t>
-          </a:r>
-          <a:endParaRPr lang="en-US" sz="1200" kern="1200" dirty="0">
-            <a:solidFill>
-              <a:srgbClr val="404040"/>
-            </a:solidFill>
-          </a:endParaRPr>
-        </a:p>
-      </dsp:txBody>
-      <dsp:txXfrm>
-        <a:off x="1601526" y="3371605"/>
-        <a:ext cx="1355341" cy="848827"/>
-      </dsp:txXfrm>
-    </dsp:sp>
-    <dsp:sp modelId="{FC8EE52B-D8E8-1B4B-9580-4ED3F58A90B4}">
-      <dsp:nvSpPr>
-        <dsp:cNvPr id="0" name=""/>
-        <dsp:cNvSpPr/>
-      </dsp:nvSpPr>
-      <dsp:spPr>
-        <a:xfrm>
-          <a:off x="1982348" y="472458"/>
-          <a:ext cx="4431414" cy="4431414"/>
-        </a:xfrm>
-        <a:custGeom>
-          <a:avLst/>
-          <a:gdLst/>
-          <a:ahLst/>
-          <a:cxnLst/>
-          <a:rect l="0" t="0" r="0" b="0"/>
-          <a:pathLst>
-            <a:path>
-              <a:moveTo>
-                <a:pt x="34524" y="2605324"/>
-              </a:moveTo>
-              <a:arcTo wR="2215707" hR="2215707" stAng="10192337" swAng="1215327"/>
-            </a:path>
-          </a:pathLst>
-        </a:custGeom>
-        <a:noFill/>
-        <a:ln w="9525" cap="flat" cmpd="sng" algn="ctr">
-          <a:solidFill>
-            <a:srgbClr val="E31C79"/>
-          </a:solidFill>
-          <a:prstDash val="solid"/>
-          <a:tailEnd type="arrow"/>
-        </a:ln>
-        <a:effectLst/>
-      </dsp:spPr>
-      <dsp:style>
-        <a:lnRef idx="1">
-          <a:scrgbClr r="0" g="0" b="0"/>
-        </a:lnRef>
-        <a:fillRef idx="0">
-          <a:scrgbClr r="0" g="0" b="0"/>
-        </a:fillRef>
-        <a:effectRef idx="0">
-          <a:scrgbClr r="0" g="0" b="0"/>
-        </a:effectRef>
-        <a:fontRef idx="minor"/>
-      </dsp:style>
-    </dsp:sp>
-    <dsp:sp modelId="{F4E65C67-48ED-FE4E-B3D8-23733588076A}">
-      <dsp:nvSpPr>
-        <dsp:cNvPr id="0" name=""/>
-        <dsp:cNvSpPr/>
-      </dsp:nvSpPr>
-      <dsp:spPr>
-        <a:xfrm>
-          <a:off x="1555606" y="1109978"/>
-          <a:ext cx="1447181" cy="940667"/>
-        </a:xfrm>
-        <a:prstGeom prst="roundRect">
-          <a:avLst/>
-        </a:prstGeom>
-        <a:solidFill>
-          <a:srgbClr val="A6D6E2"/>
-        </a:solidFill>
-        <a:ln w="28575" cap="flat" cmpd="sng" algn="ctr">
-          <a:solidFill>
-            <a:srgbClr val="E31C79"/>
-          </a:solidFill>
-          <a:prstDash val="solid"/>
-        </a:ln>
-        <a:effectLst>
-          <a:outerShdw blurRad="40000" dist="20000" dir="5400000" rotWithShape="0">
-            <a:srgbClr val="000000">
-              <a:alpha val="38000"/>
-            </a:srgbClr>
-          </a:outerShdw>
-        </a:effectLst>
-      </dsp:spPr>
-      <dsp:style>
-        <a:lnRef idx="3">
-          <a:scrgbClr r="0" g="0" b="0"/>
-        </a:lnRef>
-        <a:fillRef idx="1">
-          <a:scrgbClr r="0" g="0" b="0"/>
-        </a:fillRef>
-        <a:effectRef idx="1">
-          <a:scrgbClr r="0" g="0" b="0"/>
-        </a:effectRef>
-        <a:fontRef idx="minor">
-          <a:schemeClr val="lt1"/>
-        </a:fontRef>
-      </dsp:style>
-      <dsp:txBody>
-        <a:bodyPr spcFirstLastPara="0" vert="horz" wrap="square" lIns="45720" tIns="45720" rIns="45720" bIns="45720" numCol="1" spcCol="1270" anchor="ctr" anchorCtr="0">
-          <a:noAutofit/>
-        </a:bodyPr>
-        <a:lstStyle/>
-        <a:p>
-          <a:pPr lvl="0" algn="ctr" defTabSz="533400">
-            <a:lnSpc>
-              <a:spcPct val="90000"/>
-            </a:lnSpc>
-            <a:spcBef>
-              <a:spcPct val="0"/>
-            </a:spcBef>
-            <a:spcAft>
-              <a:spcPct val="35000"/>
-            </a:spcAft>
-          </a:pPr>
-          <a:r>
-            <a:rPr lang="en-US" sz="1200" kern="1200" dirty="0" smtClean="0">
-              <a:solidFill>
-                <a:srgbClr val="404040"/>
-              </a:solidFill>
-            </a:rPr>
-            <a:t>6. Closure</a:t>
-          </a:r>
-          <a:endParaRPr lang="en-US" sz="1200" kern="1200" dirty="0">
-            <a:solidFill>
-              <a:srgbClr val="404040"/>
-            </a:solidFill>
-          </a:endParaRPr>
-        </a:p>
-      </dsp:txBody>
-      <dsp:txXfrm>
-        <a:off x="1601526" y="1155898"/>
-        <a:ext cx="1355341" cy="848827"/>
-      </dsp:txXfrm>
-    </dsp:sp>
-    <dsp:sp modelId="{76B203F3-3F11-424E-95E5-5F85476A5EF2}">
-      <dsp:nvSpPr>
-        <dsp:cNvPr id="0" name=""/>
-        <dsp:cNvSpPr/>
-      </dsp:nvSpPr>
-      <dsp:spPr>
-        <a:xfrm>
-          <a:off x="1982348" y="472458"/>
-          <a:ext cx="4431414" cy="4431414"/>
-        </a:xfrm>
-        <a:custGeom>
-          <a:avLst/>
-          <a:gdLst/>
-          <a:ahLst/>
-          <a:cxnLst/>
-          <a:rect l="0" t="0" r="0" b="0"/>
-          <a:pathLst>
-            <a:path>
-              <a:moveTo>
-                <a:pt x="805802" y="506460"/>
-              </a:moveTo>
-              <a:arcTo wR="2215707" hR="2215707" stAng="13828910" swAng="923732"/>
-            </a:path>
-          </a:pathLst>
-        </a:custGeom>
-        <a:noFill/>
-        <a:ln w="9525" cap="flat" cmpd="sng" algn="ctr">
-          <a:solidFill>
-            <a:schemeClr val="accent1">
-              <a:hueOff val="0"/>
-              <a:satOff val="0"/>
-              <a:lumOff val="0"/>
-              <a:alphaOff val="0"/>
-            </a:schemeClr>
-          </a:solidFill>
-          <a:prstDash val="solid"/>
-          <a:tailEnd type="arrow"/>
-        </a:ln>
-        <a:effectLst/>
-      </dsp:spPr>
-      <dsp:style>
-        <a:lnRef idx="1">
-          <a:scrgbClr r="0" g="0" b="0"/>
-        </a:lnRef>
-        <a:fillRef idx="0">
-          <a:scrgbClr r="0" g="0" b="0"/>
-        </a:fillRef>
-        <a:effectRef idx="0">
-          <a:scrgbClr r="0" g="0" b="0"/>
-        </a:effectRef>
-        <a:fontRef idx="minor"/>
-      </dsp:style>
-    </dsp:sp>
   </dsp:spTree>
 </dsp:drawing>
 </file>
@@ -3717,7 +2938,7 @@
             <a:fld id="{FA8E6225-7C39-4064-823A-74AFBF85AF8B}" type="datetimeFigureOut">
               <a:rPr lang="en-US" smtClean="0"/>
               <a:pPr/>
-              <a:t>09/12/14</a:t>
+              <a:t>4/24/2015</a:t>
             </a:fld>
             <a:endParaRPr lang="en-US" dirty="0"/>
           </a:p>
@@ -4929,7 +4150,7 @@
   <p:clrMapOvr>
     <a:masterClrMapping/>
   </p:clrMapOvr>
-  <p:transition xmlns:p14="http://schemas.microsoft.com/office/powerpoint/2010/main">
+  <p:transition>
     <p:zoom/>
   </p:transition>
 </p:sldLayout>
@@ -5120,7 +4341,7 @@
   <p:clrMapOvr>
     <a:masterClrMapping/>
   </p:clrMapOvr>
-  <p:transition xmlns:p14="http://schemas.microsoft.com/office/powerpoint/2010/main">
+  <p:transition>
     <p:zoom/>
   </p:transition>
 </p:sldLayout>
@@ -5228,7 +4449,7 @@
   <p:clrMapOvr>
     <a:masterClrMapping/>
   </p:clrMapOvr>
-  <p:transition xmlns:p14="http://schemas.microsoft.com/office/powerpoint/2010/main">
+  <p:transition>
     <p:zoom/>
   </p:transition>
 </p:sldLayout>
@@ -5341,7 +4562,7 @@
   <p:clrMapOvr>
     <a:masterClrMapping/>
   </p:clrMapOvr>
-  <p:transition xmlns:p14="http://schemas.microsoft.com/office/powerpoint/2010/main">
+  <p:transition>
     <p:zoom/>
   </p:transition>
 </p:sldLayout>
@@ -5540,7 +4761,7 @@
   <p:clrMapOvr>
     <a:masterClrMapping/>
   </p:clrMapOvr>
-  <p:transition xmlns:p14="http://schemas.microsoft.com/office/powerpoint/2010/main">
+  <p:transition>
     <p:zoom/>
   </p:transition>
 </p:sldLayout>
@@ -5654,7 +4875,7 @@
   <p:clrMapOvr>
     <a:masterClrMapping/>
   </p:clrMapOvr>
-  <p:transition xmlns:p14="http://schemas.microsoft.com/office/powerpoint/2010/main">
+  <p:transition>
     <p:zoom/>
   </p:transition>
 </p:sldLayout>
@@ -5779,7 +5000,7 @@
   <p:clrMapOvr>
     <a:masterClrMapping/>
   </p:clrMapOvr>
-  <p:transition xmlns:p14="http://schemas.microsoft.com/office/powerpoint/2010/main">
+  <p:transition>
     <p:zoom/>
   </p:transition>
 </p:sldLayout>
@@ -6000,7 +5221,7 @@
   <p:clrMapOvr>
     <a:masterClrMapping/>
   </p:clrMapOvr>
-  <p:transition xmlns:p14="http://schemas.microsoft.com/office/powerpoint/2010/main">
+  <p:transition>
     <p:zoom/>
   </p:transition>
 </p:sldLayout>
@@ -6033,7 +5254,7 @@
   <p:clrMapOvr>
     <a:masterClrMapping/>
   </p:clrMapOvr>
-  <p:transition xmlns:p14="http://schemas.microsoft.com/office/powerpoint/2010/main">
+  <p:transition>
     <p:zoom/>
   </p:transition>
 </p:sldLayout>
@@ -6389,7 +5610,7 @@
   <p:clrMapOvr>
     <a:masterClrMapping/>
   </p:clrMapOvr>
-  <p:transition xmlns:p14="http://schemas.microsoft.com/office/powerpoint/2010/main">
+  <p:transition>
     <p:zoom/>
   </p:transition>
 </p:sldLayout>
@@ -6440,7 +5661,7 @@
   <p:clrMapOvr>
     <a:masterClrMapping/>
   </p:clrMapOvr>
-  <p:transition xmlns:p14="http://schemas.microsoft.com/office/powerpoint/2010/main">
+  <p:transition>
     <p:zoom/>
   </p:transition>
 </p:sldLayout>
@@ -6650,7 +5871,7 @@
   <p:clrMapOvr>
     <a:masterClrMapping/>
   </p:clrMapOvr>
-  <p:transition xmlns:p14="http://schemas.microsoft.com/office/powerpoint/2010/main">
+  <p:transition>
     <p:zoom/>
   </p:transition>
 </p:sldLayout>
@@ -6982,7 +6203,7 @@
           <p:nvPr/>
         </p:nvPicPr>
         <p:blipFill rotWithShape="1">
-          <a:blip r:embed="rId14">
+          <a:blip r:embed="rId14" cstate="print">
             <a:alphaModFix/>
             <a:extLst>
               <a:ext uri="{28A0092B-C50C-407E-A947-70E740481C1C}">
@@ -7020,13 +6241,13 @@
     <p:sldLayoutId id="2147483694" r:id="rId11"/>
     <p:sldLayoutId id="2147483695" r:id="rId12"/>
   </p:sldLayoutIdLst>
-  <p:transition xmlns:p14="http://schemas.microsoft.com/office/powerpoint/2010/main">
+  <p:transition>
     <p:zoom/>
   </p:transition>
   <p:timing>
     <p:tnLst>
       <p:par>
-        <p:cTn xmlns:p14="http://schemas.microsoft.com/office/powerpoint/2010/main" id="1" dur="indefinite" restart="never" nodeType="tmRoot"/>
+        <p:cTn id="1" dur="indefinite" restart="never" nodeType="tmRoot"/>
       </p:par>
     </p:tnLst>
   </p:timing>
@@ -7817,7 +7038,7 @@
           <p:nvPr/>
         </p:nvPicPr>
         <p:blipFill>
-          <a:blip r:embed="rId13">
+          <a:blip r:embed="rId13" cstate="print">
             <a:extLst>
               <a:ext uri="{28A0092B-C50C-407E-A947-70E740481C1C}">
                 <a14:useLocalDpi xmlns:a14="http://schemas.microsoft.com/office/drawing/2010/main" val="0"/>
@@ -7848,18 +7069,18 @@
   <p:clrMapOvr>
     <a:masterClrMapping/>
   </p:clrMapOvr>
-  <mc:AlternateContent xmlns:mc="http://schemas.openxmlformats.org/markup-compatibility/2006">
-    <mc:Choice xmlns:p14="http://schemas.microsoft.com/office/powerpoint/2010/main" Requires="p14">
+  <mc:AlternateContent xmlns:mc="http://schemas.openxmlformats.org/markup-compatibility/2006" xmlns:p14="http://schemas.microsoft.com/office/powerpoint/2010/main">
+    <mc:Choice Requires="p14">
       <p:transition p14:dur="0" advClick="0" advTm="0"/>
     </mc:Choice>
-    <mc:Fallback>
+    <mc:Fallback xmlns="">
       <p:transition xmlns:p14="http://schemas.microsoft.com/office/powerpoint/2010/main" advClick="0" advTm="0"/>
     </mc:Fallback>
   </mc:AlternateContent>
   <p:timing>
     <p:tnLst>
       <p:par>
-        <p:cTn xmlns:p14="http://schemas.microsoft.com/office/powerpoint/2010/main" id="1" dur="indefinite" restart="never" nodeType="tmRoot">
+        <p:cTn id="1" dur="indefinite" restart="never" nodeType="tmRoot">
           <p:childTnLst>
             <p:seq concurrent="1" nextAc="seek">
               <p:cTn id="2" dur="indefinite" nodeType="mainSeq">
@@ -9824,7 +9045,7 @@
             <a:prstTxWarp prst="textNoShape">
               <a:avLst/>
             </a:prstTxWarp>
-            <a:normAutofit fontScale="47500" lnSpcReduction="20000"/>
+            <a:normAutofit fontScale="40000" lnSpcReduction="20000"/>
           </a:bodyPr>
           <a:lstStyle/>
           <a:p>
@@ -10267,13 +9488,13 @@
   <p:clrMapOvr>
     <a:masterClrMapping/>
   </p:clrMapOvr>
-  <p:transition xmlns:p14="http://schemas.microsoft.com/office/powerpoint/2010/main">
+  <p:transition>
     <p:zoom/>
   </p:transition>
   <p:timing>
     <p:tnLst>
       <p:par>
-        <p:cTn xmlns:p14="http://schemas.microsoft.com/office/powerpoint/2010/main" id="1" dur="indefinite" restart="never" nodeType="tmRoot"/>
+        <p:cTn id="1" dur="indefinite" restart="never" nodeType="tmRoot"/>
       </p:par>
     </p:tnLst>
   </p:timing>
@@ -11151,13 +10372,13 @@
   <p:clrMapOvr>
     <a:masterClrMapping/>
   </p:clrMapOvr>
-  <p:transition xmlns:p14="http://schemas.microsoft.com/office/powerpoint/2010/main">
+  <p:transition>
     <p:zoom/>
   </p:transition>
   <p:timing>
     <p:tnLst>
       <p:par>
-        <p:cTn xmlns:p14="http://schemas.microsoft.com/office/powerpoint/2010/main" id="1" dur="indefinite" restart="never" nodeType="tmRoot"/>
+        <p:cTn id="1" dur="indefinite" restart="never" nodeType="tmRoot"/>
       </p:par>
     </p:tnLst>
   </p:timing>
@@ -11868,13 +11089,13 @@
   <p:clrMapOvr>
     <a:masterClrMapping/>
   </p:clrMapOvr>
-  <p:transition xmlns:p14="http://schemas.microsoft.com/office/powerpoint/2010/main">
+  <p:transition>
     <p:zoom/>
   </p:transition>
   <p:timing>
     <p:tnLst>
       <p:par>
-        <p:cTn xmlns:p14="http://schemas.microsoft.com/office/powerpoint/2010/main" id="1" dur="indefinite" restart="never" nodeType="tmRoot"/>
+        <p:cTn id="1" dur="indefinite" restart="never" nodeType="tmRoot"/>
       </p:par>
     </p:tnLst>
   </p:timing>
@@ -12504,13 +11725,13 @@
   <p:clrMapOvr>
     <a:masterClrMapping/>
   </p:clrMapOvr>
-  <p:transition xmlns:p14="http://schemas.microsoft.com/office/powerpoint/2010/main">
+  <p:transition>
     <p:zoom/>
   </p:transition>
   <p:timing>
     <p:tnLst>
       <p:par>
-        <p:cTn xmlns:p14="http://schemas.microsoft.com/office/powerpoint/2010/main" id="1" dur="indefinite" restart="never" nodeType="tmRoot"/>
+        <p:cTn id="1" dur="indefinite" restart="never" nodeType="tmRoot"/>
       </p:par>
     </p:tnLst>
   </p:timing>
@@ -13360,13 +12581,13 @@
   <p:clrMapOvr>
     <a:masterClrMapping/>
   </p:clrMapOvr>
-  <p:transition xmlns:p14="http://schemas.microsoft.com/office/powerpoint/2010/main">
+  <p:transition>
     <p:zoom/>
   </p:transition>
   <p:timing>
     <p:tnLst>
       <p:par>
-        <p:cTn xmlns:p14="http://schemas.microsoft.com/office/powerpoint/2010/main" id="1" dur="indefinite" restart="never" nodeType="tmRoot"/>
+        <p:cTn id="1" dur="indefinite" restart="never" nodeType="tmRoot"/>
       </p:par>
     </p:tnLst>
   </p:timing>
@@ -13437,13 +12658,13 @@
   <p:clrMapOvr>
     <a:masterClrMapping/>
   </p:clrMapOvr>
-  <p:transition xmlns:p14="http://schemas.microsoft.com/office/powerpoint/2010/main">
+  <p:transition>
     <p:zoom/>
   </p:transition>
   <p:timing>
     <p:tnLst>
       <p:par>
-        <p:cTn xmlns:p14="http://schemas.microsoft.com/office/powerpoint/2010/main" id="1" dur="indefinite" restart="never" nodeType="tmRoot"/>
+        <p:cTn id="1" dur="indefinite" restart="never" nodeType="tmRoot"/>
       </p:par>
     </p:tnLst>
   </p:timing>
@@ -13580,13 +12801,13 @@
   <p:clrMapOvr>
     <a:masterClrMapping/>
   </p:clrMapOvr>
-  <p:transition xmlns:p14="http://schemas.microsoft.com/office/powerpoint/2010/main">
+  <p:transition>
     <p:zoom/>
   </p:transition>
   <p:timing>
     <p:tnLst>
       <p:par>
-        <p:cTn xmlns:p14="http://schemas.microsoft.com/office/powerpoint/2010/main" id="1" dur="indefinite" restart="never" nodeType="tmRoot"/>
+        <p:cTn id="1" dur="indefinite" restart="never" nodeType="tmRoot"/>
       </p:par>
     </p:tnLst>
   </p:timing>
@@ -16230,13 +15451,13 @@
   <p:clrMapOvr>
     <a:masterClrMapping/>
   </p:clrMapOvr>
-  <p:transition xmlns:p14="http://schemas.microsoft.com/office/powerpoint/2010/main">
+  <p:transition>
     <p:zoom/>
   </p:transition>
   <p:timing>
     <p:tnLst>
       <p:par>
-        <p:cTn xmlns:p14="http://schemas.microsoft.com/office/powerpoint/2010/main" id="1" dur="indefinite" restart="never" nodeType="tmRoot"/>
+        <p:cTn id="1" dur="indefinite" restart="never" nodeType="tmRoot"/>
       </p:par>
     </p:tnLst>
   </p:timing>
@@ -17198,13 +16419,13 @@
   <p:clrMapOvr>
     <a:masterClrMapping/>
   </p:clrMapOvr>
-  <p:transition xmlns:p14="http://schemas.microsoft.com/office/powerpoint/2010/main">
+  <p:transition>
     <p:zoom/>
   </p:transition>
   <p:timing>
     <p:tnLst>
       <p:par>
-        <p:cTn xmlns:p14="http://schemas.microsoft.com/office/powerpoint/2010/main" id="1" dur="indefinite" restart="never" nodeType="tmRoot"/>
+        <p:cTn id="1" dur="indefinite" restart="never" nodeType="tmRoot"/>
       </p:par>
     </p:tnLst>
   </p:timing>
@@ -17519,13 +16740,13 @@
   <p:clrMapOvr>
     <a:masterClrMapping/>
   </p:clrMapOvr>
-  <p:transition xmlns:p14="http://schemas.microsoft.com/office/powerpoint/2010/main">
+  <p:transition>
     <p:zoom/>
   </p:transition>
   <p:timing>
     <p:tnLst>
       <p:par>
-        <p:cTn xmlns:p14="http://schemas.microsoft.com/office/powerpoint/2010/main" id="1" dur="indefinite" restart="never" nodeType="tmRoot"/>
+        <p:cTn id="1" dur="indefinite" restart="never" nodeType="tmRoot"/>
       </p:par>
     </p:tnLst>
   </p:timing>
@@ -17566,8 +16787,21 @@
           <a:p>
             <a:r>
               <a:rPr lang="en-US" dirty="0"/>
-              <a:t>Incident management</a:t>
-            </a:r>
+              <a:t>Incident </a:t>
+            </a:r>
+            <a:r>
+              <a:rPr lang="en-US" dirty="0" smtClean="0"/>
+              <a:t>management </a:t>
+            </a:r>
+            <a:r>
+              <a:rPr lang="en-US" dirty="0" err="1" smtClean="0"/>
+              <a:t>Bwin</a:t>
+            </a:r>
+            <a:r>
+              <a:rPr lang="en-US" smtClean="0"/>
+              <a:t> Party</a:t>
+            </a:r>
+            <a:endParaRPr lang="en-US" dirty="0"/>
           </a:p>
         </p:txBody>
       </p:sp>
@@ -17603,13 +16837,13 @@
   <p:clrMapOvr>
     <a:masterClrMapping/>
   </p:clrMapOvr>
-  <p:transition xmlns:p14="http://schemas.microsoft.com/office/powerpoint/2010/main">
+  <p:transition>
     <p:zoom/>
   </p:transition>
   <p:timing>
     <p:tnLst>
       <p:par>
-        <p:cTn xmlns:p14="http://schemas.microsoft.com/office/powerpoint/2010/main" id="1" dur="indefinite" restart="never" nodeType="tmRoot"/>
+        <p:cTn id="1" dur="indefinite" restart="never" nodeType="tmRoot"/>
       </p:par>
     </p:tnLst>
   </p:timing>
@@ -19177,13 +18411,13 @@
   <p:clrMapOvr>
     <a:masterClrMapping/>
   </p:clrMapOvr>
-  <p:transition xmlns:p14="http://schemas.microsoft.com/office/powerpoint/2010/main">
+  <p:transition>
     <p:zoom/>
   </p:transition>
   <p:timing>
     <p:tnLst>
       <p:par>
-        <p:cTn xmlns:p14="http://schemas.microsoft.com/office/powerpoint/2010/main" id="1" dur="indefinite" restart="never" nodeType="tmRoot"/>
+        <p:cTn id="1" dur="indefinite" restart="never" nodeType="tmRoot"/>
       </p:par>
     </p:tnLst>
   </p:timing>
@@ -19382,13 +18616,13 @@
   <p:clrMapOvr>
     <a:masterClrMapping/>
   </p:clrMapOvr>
-  <p:transition xmlns:p14="http://schemas.microsoft.com/office/powerpoint/2010/main">
+  <p:transition>
     <p:zoom/>
   </p:transition>
   <p:timing>
     <p:tnLst>
       <p:par>
-        <p:cTn xmlns:p14="http://schemas.microsoft.com/office/powerpoint/2010/main" id="1" dur="indefinite" restart="never" nodeType="tmRoot"/>
+        <p:cTn id="1" dur="indefinite" restart="never" nodeType="tmRoot"/>
       </p:par>
     </p:tnLst>
   </p:timing>
@@ -20562,13 +19796,13 @@
   <p:clrMapOvr>
     <a:masterClrMapping/>
   </p:clrMapOvr>
-  <p:transition xmlns:p14="http://schemas.microsoft.com/office/powerpoint/2010/main">
+  <p:transition>
     <p:zoom/>
   </p:transition>
   <p:timing>
     <p:tnLst>
       <p:par>
-        <p:cTn xmlns:p14="http://schemas.microsoft.com/office/powerpoint/2010/main" id="1" dur="indefinite" restart="never" nodeType="tmRoot"/>
+        <p:cTn id="1" dur="indefinite" restart="never" nodeType="tmRoot"/>
       </p:par>
     </p:tnLst>
   </p:timing>
@@ -21001,13 +20235,13 @@
   <p:clrMapOvr>
     <a:masterClrMapping/>
   </p:clrMapOvr>
-  <p:transition xmlns:p14="http://schemas.microsoft.com/office/powerpoint/2010/main">
+  <p:transition>
     <p:zoom/>
   </p:transition>
   <p:timing>
     <p:tnLst>
       <p:par>
-        <p:cTn xmlns:p14="http://schemas.microsoft.com/office/powerpoint/2010/main" id="1" dur="indefinite" restart="never" nodeType="tmRoot"/>
+        <p:cTn id="1" dur="indefinite" restart="never" nodeType="tmRoot"/>
       </p:par>
     </p:tnLst>
   </p:timing>
@@ -21789,13 +21023,13 @@
   <p:clrMapOvr>
     <a:masterClrMapping/>
   </p:clrMapOvr>
-  <p:transition xmlns:p14="http://schemas.microsoft.com/office/powerpoint/2010/main">
+  <p:transition>
     <p:zoom/>
   </p:transition>
   <p:timing>
     <p:tnLst>
       <p:par>
-        <p:cTn xmlns:p14="http://schemas.microsoft.com/office/powerpoint/2010/main" id="1" dur="indefinite" restart="never" nodeType="tmRoot"/>
+        <p:cTn id="1" dur="indefinite" restart="never" nodeType="tmRoot"/>
       </p:par>
     </p:tnLst>
   </p:timing>
@@ -22366,13 +21600,13 @@
   <p:clrMapOvr>
     <a:masterClrMapping/>
   </p:clrMapOvr>
-  <p:transition xmlns:p14="http://schemas.microsoft.com/office/powerpoint/2010/main">
+  <p:transition>
     <p:zoom/>
   </p:transition>
   <p:timing>
     <p:tnLst>
       <p:par>
-        <p:cTn xmlns:p14="http://schemas.microsoft.com/office/powerpoint/2010/main" id="1" dur="indefinite" restart="never" nodeType="tmRoot"/>
+        <p:cTn id="1" dur="indefinite" restart="never" nodeType="tmRoot"/>
       </p:par>
     </p:tnLst>
   </p:timing>
@@ -22952,13 +22186,13 @@
   <p:clrMapOvr>
     <a:masterClrMapping/>
   </p:clrMapOvr>
-  <p:transition xmlns:p14="http://schemas.microsoft.com/office/powerpoint/2010/main">
+  <p:transition>
     <p:zoom/>
   </p:transition>
   <p:timing>
     <p:tnLst>
       <p:par>
-        <p:cTn xmlns:p14="http://schemas.microsoft.com/office/powerpoint/2010/main" id="1" dur="indefinite" restart="never" nodeType="tmRoot"/>
+        <p:cTn id="1" dur="indefinite" restart="never" nodeType="tmRoot"/>
       </p:par>
     </p:tnLst>
   </p:timing>
@@ -23496,13 +22730,13 @@
   <p:clrMapOvr>
     <a:masterClrMapping/>
   </p:clrMapOvr>
-  <p:transition xmlns:p14="http://schemas.microsoft.com/office/powerpoint/2010/main">
+  <p:transition>
     <p:zoom/>
   </p:transition>
   <p:timing>
     <p:tnLst>
       <p:par>
-        <p:cTn xmlns:p14="http://schemas.microsoft.com/office/powerpoint/2010/main" id="1" dur="indefinite" restart="never" nodeType="tmRoot"/>
+        <p:cTn id="1" dur="indefinite" restart="never" nodeType="tmRoot"/>
       </p:par>
     </p:tnLst>
   </p:timing>
@@ -24424,13 +23658,13 @@
   <p:clrMapOvr>
     <a:masterClrMapping/>
   </p:clrMapOvr>
-  <p:transition xmlns:p14="http://schemas.microsoft.com/office/powerpoint/2010/main">
+  <p:transition>
     <p:zoom/>
   </p:transition>
   <p:timing>
     <p:tnLst>
       <p:par>
-        <p:cTn xmlns:p14="http://schemas.microsoft.com/office/powerpoint/2010/main" id="1" dur="indefinite" restart="never" nodeType="tmRoot"/>
+        <p:cTn id="1" dur="indefinite" restart="never" nodeType="tmRoot"/>
       </p:par>
     </p:tnLst>
   </p:timing>
@@ -24507,13 +23741,13 @@
   <p:clrMapOvr>
     <a:masterClrMapping/>
   </p:clrMapOvr>
-  <p:transition xmlns:p14="http://schemas.microsoft.com/office/powerpoint/2010/main">
+  <p:transition>
     <p:zoom/>
   </p:transition>
   <p:timing>
     <p:tnLst>
       <p:par>
-        <p:cTn xmlns:p14="http://schemas.microsoft.com/office/powerpoint/2010/main" id="1" dur="indefinite" restart="never" nodeType="tmRoot"/>
+        <p:cTn id="1" dur="indefinite" restart="never" nodeType="tmRoot"/>
       </p:par>
     </p:tnLst>
   </p:timing>
@@ -24633,13 +23867,13 @@
   <p:clrMapOvr>
     <a:masterClrMapping/>
   </p:clrMapOvr>
-  <p:transition xmlns:p14="http://schemas.microsoft.com/office/powerpoint/2010/main">
+  <p:transition>
     <p:zoom/>
   </p:transition>
   <p:timing>
     <p:tnLst>
       <p:par>
-        <p:cTn xmlns:p14="http://schemas.microsoft.com/office/powerpoint/2010/main" id="1" dur="indefinite" restart="never" nodeType="tmRoot"/>
+        <p:cTn id="1" dur="indefinite" restart="never" nodeType="tmRoot"/>
       </p:par>
     </p:tnLst>
   </p:timing>
@@ -25722,13 +24956,13 @@
   <p:clrMapOvr>
     <a:masterClrMapping/>
   </p:clrMapOvr>
-  <p:transition xmlns:p14="http://schemas.microsoft.com/office/powerpoint/2010/main">
+  <p:transition>
     <p:zoom/>
   </p:transition>
   <p:timing>
     <p:tnLst>
       <p:par>
-        <p:cTn xmlns:p14="http://schemas.microsoft.com/office/powerpoint/2010/main" id="1" dur="indefinite" restart="never" nodeType="tmRoot"/>
+        <p:cTn id="1" dur="indefinite" restart="never" nodeType="tmRoot"/>
       </p:par>
     </p:tnLst>
   </p:timing>
@@ -25804,13 +25038,13 @@
   <p:clrMapOvr>
     <a:masterClrMapping/>
   </p:clrMapOvr>
-  <p:transition xmlns:p14="http://schemas.microsoft.com/office/powerpoint/2010/main">
+  <p:transition>
     <p:zoom/>
   </p:transition>
   <p:timing>
     <p:tnLst>
       <p:par>
-        <p:cTn xmlns:p14="http://schemas.microsoft.com/office/powerpoint/2010/main" id="1" dur="indefinite" restart="never" nodeType="tmRoot"/>
+        <p:cTn id="1" dur="indefinite" restart="never" nodeType="tmRoot"/>
       </p:par>
     </p:tnLst>
   </p:timing>
@@ -25890,13 +25124,13 @@
   <p:clrMapOvr>
     <a:masterClrMapping/>
   </p:clrMapOvr>
-  <p:transition xmlns:p14="http://schemas.microsoft.com/office/powerpoint/2010/main">
+  <p:transition>
     <p:zoom/>
   </p:transition>
   <p:timing>
     <p:tnLst>
       <p:par>
-        <p:cTn xmlns:p14="http://schemas.microsoft.com/office/powerpoint/2010/main" id="1" dur="indefinite" restart="never" nodeType="tmRoot"/>
+        <p:cTn id="1" dur="indefinite" restart="never" nodeType="tmRoot"/>
       </p:par>
     </p:tnLst>
   </p:timing>
@@ -26346,7 +25580,7 @@
   <p:clrMapOvr>
     <a:masterClrMapping/>
   </p:clrMapOvr>
-  <p:transition xmlns:p14="http://schemas.microsoft.com/office/powerpoint/2010/main">
+  <p:transition>
     <p:zoom/>
   </p:transition>
 </p:sld>
@@ -26425,13 +25659,13 @@
   <p:clrMapOvr>
     <a:masterClrMapping/>
   </p:clrMapOvr>
-  <p:transition xmlns:p14="http://schemas.microsoft.com/office/powerpoint/2010/main">
+  <p:transition>
     <p:zoom/>
   </p:transition>
   <p:timing>
     <p:tnLst>
       <p:par>
-        <p:cTn xmlns:p14="http://schemas.microsoft.com/office/powerpoint/2010/main" id="1" dur="indefinite" restart="never" nodeType="tmRoot"/>
+        <p:cTn id="1" dur="indefinite" restart="never" nodeType="tmRoot"/>
       </p:par>
     </p:tnLst>
   </p:timing>
@@ -26736,13 +25970,13 @@
   <p:clrMapOvr>
     <a:masterClrMapping/>
   </p:clrMapOvr>
-  <p:transition xmlns:p14="http://schemas.microsoft.com/office/powerpoint/2010/main">
+  <p:transition>
     <p:zoom/>
   </p:transition>
   <p:timing>
     <p:tnLst>
       <p:par>
-        <p:cTn xmlns:p14="http://schemas.microsoft.com/office/powerpoint/2010/main" id="1" dur="indefinite" restart="never" nodeType="tmRoot"/>
+        <p:cTn id="1" dur="indefinite" restart="never" nodeType="tmRoot"/>
       </p:par>
     </p:tnLst>
   </p:timing>
@@ -27271,13 +26505,13 @@
   <p:clrMapOvr>
     <a:masterClrMapping/>
   </p:clrMapOvr>
-  <p:transition xmlns:p14="http://schemas.microsoft.com/office/powerpoint/2010/main">
+  <p:transition>
     <p:zoom/>
   </p:transition>
   <p:timing>
     <p:tnLst>
       <p:par>
-        <p:cTn xmlns:p14="http://schemas.microsoft.com/office/powerpoint/2010/main" id="1" dur="indefinite" restart="never" nodeType="tmRoot"/>
+        <p:cTn id="1" dur="indefinite" restart="never" nodeType="tmRoot"/>
       </p:par>
     </p:tnLst>
   </p:timing>
@@ -27626,7 +26860,7 @@
   <p:clrMapOvr>
     <a:masterClrMapping/>
   </p:clrMapOvr>
-  <p:transition xmlns:p14="http://schemas.microsoft.com/office/powerpoint/2010/main">
+  <p:transition>
     <p:zoom/>
   </p:transition>
 </p:sld>
@@ -27800,13 +27034,13 @@
   <p:clrMapOvr>
     <a:masterClrMapping/>
   </p:clrMapOvr>
-  <p:transition xmlns:p14="http://schemas.microsoft.com/office/powerpoint/2010/main">
+  <p:transition>
     <p:zoom/>
   </p:transition>
   <p:timing>
     <p:tnLst>
       <p:par>
-        <p:cTn xmlns:p14="http://schemas.microsoft.com/office/powerpoint/2010/main" id="1" dur="indefinite" restart="never" nodeType="tmRoot"/>
+        <p:cTn id="1" dur="indefinite" restart="never" nodeType="tmRoot"/>
       </p:par>
     </p:tnLst>
   </p:timing>
@@ -27886,13 +27120,13 @@
   <p:clrMapOvr>
     <a:masterClrMapping/>
   </p:clrMapOvr>
-  <p:transition xmlns:p14="http://schemas.microsoft.com/office/powerpoint/2010/main">
+  <p:transition>
     <p:zoom/>
   </p:transition>
   <p:timing>
     <p:tnLst>
       <p:par>
-        <p:cTn xmlns:p14="http://schemas.microsoft.com/office/powerpoint/2010/main" id="1" dur="indefinite" restart="never" nodeType="tmRoot"/>
+        <p:cTn id="1" dur="indefinite" restart="never" nodeType="tmRoot"/>
       </p:par>
     </p:tnLst>
   </p:timing>
@@ -27963,13 +27197,13 @@
   <p:clrMapOvr>
     <a:masterClrMapping/>
   </p:clrMapOvr>
-  <p:transition xmlns:p14="http://schemas.microsoft.com/office/powerpoint/2010/main">
+  <p:transition>
     <p:zoom/>
   </p:transition>
   <p:timing>
     <p:tnLst>
       <p:par>
-        <p:cTn xmlns:p14="http://schemas.microsoft.com/office/powerpoint/2010/main" id="1" dur="indefinite" restart="never" nodeType="tmRoot"/>
+        <p:cTn id="1" dur="indefinite" restart="never" nodeType="tmRoot"/>
       </p:par>
     </p:tnLst>
   </p:timing>
@@ -28211,13 +27445,13 @@
   <p:clrMapOvr>
     <a:masterClrMapping/>
   </p:clrMapOvr>
-  <p:transition xmlns:p14="http://schemas.microsoft.com/office/powerpoint/2010/main">
+  <p:transition>
     <p:zoom/>
   </p:transition>
   <p:timing>
     <p:tnLst>
       <p:par>
-        <p:cTn xmlns:p14="http://schemas.microsoft.com/office/powerpoint/2010/main" id="1" dur="indefinite" restart="never" nodeType="tmRoot"/>
+        <p:cTn id="1" dur="indefinite" restart="never" nodeType="tmRoot"/>
       </p:par>
     </p:tnLst>
   </p:timing>
@@ -28443,7 +27677,7 @@
   <p:clrMapOvr>
     <a:masterClrMapping/>
   </p:clrMapOvr>
-  <p:transition xmlns:p14="http://schemas.microsoft.com/office/powerpoint/2010/main">
+  <p:transition>
     <p:zoom/>
   </p:transition>
 </p:sld>
@@ -28961,13 +28195,13 @@
   <p:clrMapOvr>
     <a:masterClrMapping/>
   </p:clrMapOvr>
-  <p:transition xmlns:p14="http://schemas.microsoft.com/office/powerpoint/2010/main">
+  <p:transition>
     <p:zoom/>
   </p:transition>
   <p:timing>
     <p:tnLst>
       <p:par>
-        <p:cTn xmlns:p14="http://schemas.microsoft.com/office/powerpoint/2010/main" id="1" dur="indefinite" restart="never" nodeType="tmRoot"/>
+        <p:cTn id="1" dur="indefinite" restart="never" nodeType="tmRoot"/>
       </p:par>
     </p:tnLst>
   </p:timing>
@@ -29145,13 +28379,13 @@
   <p:clrMapOvr>
     <a:masterClrMapping/>
   </p:clrMapOvr>
-  <p:transition xmlns:p14="http://schemas.microsoft.com/office/powerpoint/2010/main">
+  <p:transition>
     <p:zoom/>
   </p:transition>
   <p:timing>
     <p:tnLst>
       <p:par>
-        <p:cTn xmlns:p14="http://schemas.microsoft.com/office/powerpoint/2010/main" id="1" dur="indefinite" restart="never" nodeType="tmRoot"/>
+        <p:cTn id="1" dur="indefinite" restart="never" nodeType="tmRoot"/>
       </p:par>
     </p:tnLst>
   </p:timing>
@@ -29240,13 +28474,13 @@
   <p:clrMapOvr>
     <a:masterClrMapping/>
   </p:clrMapOvr>
-  <p:transition xmlns:p14="http://schemas.microsoft.com/office/powerpoint/2010/main">
+  <p:transition>
     <p:zoom/>
   </p:transition>
   <p:timing>
     <p:tnLst>
       <p:par>
-        <p:cTn xmlns:p14="http://schemas.microsoft.com/office/powerpoint/2010/main" id="1" dur="indefinite" restart="never" nodeType="tmRoot"/>
+        <p:cTn id="1" dur="indefinite" restart="never" nodeType="tmRoot"/>
       </p:par>
     </p:tnLst>
   </p:timing>
@@ -29317,13 +28551,13 @@
   <p:clrMapOvr>
     <a:masterClrMapping/>
   </p:clrMapOvr>
-  <p:transition xmlns:p14="http://schemas.microsoft.com/office/powerpoint/2010/main">
+  <p:transition>
     <p:zoom/>
   </p:transition>
   <p:timing>
     <p:tnLst>
       <p:par>
-        <p:cTn xmlns:p14="http://schemas.microsoft.com/office/powerpoint/2010/main" id="1" dur="indefinite" restart="never" nodeType="tmRoot"/>
+        <p:cTn id="1" dur="indefinite" restart="never" nodeType="tmRoot"/>
       </p:par>
     </p:tnLst>
   </p:timing>
@@ -29470,13 +28704,13 @@
   <p:clrMapOvr>
     <a:masterClrMapping/>
   </p:clrMapOvr>
-  <p:transition xmlns:p14="http://schemas.microsoft.com/office/powerpoint/2010/main">
+  <p:transition>
     <p:zoom/>
   </p:transition>
   <p:timing>
     <p:tnLst>
       <p:par>
-        <p:cTn xmlns:p14="http://schemas.microsoft.com/office/powerpoint/2010/main" id="1" dur="indefinite" restart="never" nodeType="tmRoot"/>
+        <p:cTn id="1" dur="indefinite" restart="never" nodeType="tmRoot"/>
       </p:par>
     </p:tnLst>
   </p:timing>
@@ -29603,13 +28837,13 @@
   <p:clrMapOvr>
     <a:masterClrMapping/>
   </p:clrMapOvr>
-  <p:transition xmlns:p14="http://schemas.microsoft.com/office/powerpoint/2010/main">
+  <p:transition>
     <p:zoom/>
   </p:transition>
   <p:timing>
     <p:tnLst>
       <p:par>
-        <p:cTn xmlns:p14="http://schemas.microsoft.com/office/powerpoint/2010/main" id="1" dur="indefinite" restart="never" nodeType="tmRoot"/>
+        <p:cTn id="1" dur="indefinite" restart="never" nodeType="tmRoot"/>
       </p:par>
     </p:tnLst>
   </p:timing>
@@ -29726,13 +28960,13 @@
   <p:clrMapOvr>
     <a:masterClrMapping/>
   </p:clrMapOvr>
-  <p:transition xmlns:p14="http://schemas.microsoft.com/office/powerpoint/2010/main">
+  <p:transition>
     <p:zoom/>
   </p:transition>
   <p:timing>
     <p:tnLst>
       <p:par>
-        <p:cTn xmlns:p14="http://schemas.microsoft.com/office/powerpoint/2010/main" id="1" dur="indefinite" restart="never" nodeType="tmRoot"/>
+        <p:cTn id="1" dur="indefinite" restart="never" nodeType="tmRoot"/>
       </p:par>
     </p:tnLst>
   </p:timing>
@@ -29803,13 +29037,13 @@
   <p:clrMapOvr>
     <a:masterClrMapping/>
   </p:clrMapOvr>
-  <p:transition xmlns:p14="http://schemas.microsoft.com/office/powerpoint/2010/main">
+  <p:transition>
     <p:zoom/>
   </p:transition>
   <p:timing>
     <p:tnLst>
       <p:par>
-        <p:cTn xmlns:p14="http://schemas.microsoft.com/office/powerpoint/2010/main" id="1" dur="indefinite" restart="never" nodeType="tmRoot"/>
+        <p:cTn id="1" dur="indefinite" restart="never" nodeType="tmRoot"/>
       </p:par>
     </p:tnLst>
   </p:timing>
@@ -29969,13 +29203,13 @@
   <p:clrMapOvr>
     <a:masterClrMapping/>
   </p:clrMapOvr>
-  <p:transition xmlns:p14="http://schemas.microsoft.com/office/powerpoint/2010/main">
+  <p:transition>
     <p:zoom/>
   </p:transition>
   <p:timing>
     <p:tnLst>
       <p:par>
-        <p:cTn xmlns:p14="http://schemas.microsoft.com/office/powerpoint/2010/main" id="1" dur="indefinite" restart="never" nodeType="tmRoot"/>
+        <p:cTn id="1" dur="indefinite" restart="never" nodeType="tmRoot"/>
       </p:par>
     </p:tnLst>
   </p:timing>
@@ -31164,13 +30398,13 @@
   <p:clrMapOvr>
     <a:masterClrMapping/>
   </p:clrMapOvr>
-  <p:transition xmlns:p14="http://schemas.microsoft.com/office/powerpoint/2010/main">
+  <p:transition>
     <p:zoom/>
   </p:transition>
   <p:timing>
     <p:tnLst>
       <p:par>
-        <p:cTn xmlns:p14="http://schemas.microsoft.com/office/powerpoint/2010/main" id="1" dur="indefinite" restart="never" nodeType="tmRoot"/>
+        <p:cTn id="1" dur="indefinite" restart="never" nodeType="tmRoot"/>
       </p:par>
     </p:tnLst>
   </p:timing>
@@ -32763,13 +31997,13 @@
   <p:clrMapOvr>
     <a:masterClrMapping/>
   </p:clrMapOvr>
-  <p:transition xmlns:p14="http://schemas.microsoft.com/office/powerpoint/2010/main">
+  <p:transition>
     <p:zoom/>
   </p:transition>
   <p:timing>
     <p:tnLst>
       <p:par>
-        <p:cTn xmlns:p14="http://schemas.microsoft.com/office/powerpoint/2010/main" id="1" dur="indefinite" restart="never" nodeType="tmRoot"/>
+        <p:cTn id="1" dur="indefinite" restart="never" nodeType="tmRoot"/>
       </p:par>
     </p:tnLst>
   </p:timing>
@@ -32840,13 +32074,13 @@
   <p:clrMapOvr>
     <a:masterClrMapping/>
   </p:clrMapOvr>
-  <p:transition xmlns:p14="http://schemas.microsoft.com/office/powerpoint/2010/main">
+  <p:transition>
     <p:zoom/>
   </p:transition>
   <p:timing>
     <p:tnLst>
       <p:par>
-        <p:cTn xmlns:p14="http://schemas.microsoft.com/office/powerpoint/2010/main" id="1" dur="indefinite" restart="never" nodeType="tmRoot"/>
+        <p:cTn id="1" dur="indefinite" restart="never" nodeType="tmRoot"/>
       </p:par>
     </p:tnLst>
   </p:timing>
@@ -33833,13 +33067,13 @@
   <p:clrMapOvr>
     <a:masterClrMapping/>
   </p:clrMapOvr>
-  <p:transition xmlns:p14="http://schemas.microsoft.com/office/powerpoint/2010/main">
+  <p:transition>
     <p:zoom/>
   </p:transition>
   <p:timing>
     <p:tnLst>
       <p:par>
-        <p:cTn xmlns:p14="http://schemas.microsoft.com/office/powerpoint/2010/main" id="1" dur="indefinite" restart="never" nodeType="tmRoot"/>
+        <p:cTn id="1" dur="indefinite" restart="never" nodeType="tmRoot"/>
       </p:par>
     </p:tnLst>
   </p:timing>
